--- a/bot/ai_generator/presentation_templates/Snowflake.pptx
+++ b/bot/ai_generator/presentation_templates/Snowflake.pptx
@@ -278,7 +278,7 @@
             <a:fld id="{11A6662E-FAF4-44BC-88B5-85A7CBFB6D30}" type="datetime1">
               <a:rPr lang="en-US" smtClean="0"/>
               <a:pPr/>
-              <a:t>5/2/2023</a:t>
+              <a:t>5/5/2023</a:t>
             </a:fld>
             <a:endParaRPr lang="en-US" dirty="0"/>
           </a:p>
@@ -505,7 +505,7 @@
           <a:p>
             <a:fld id="{4C559632-1575-4E14-B53B-3DC3D5ED3947}" type="datetime1">
               <a:rPr lang="en-US" smtClean="0"/>
-              <a:t>5/2/2023</a:t>
+              <a:t>5/5/2023</a:t>
             </a:fld>
             <a:endParaRPr lang="en-US"/>
           </a:p>
@@ -713,7 +713,7 @@
           <a:p>
             <a:fld id="{CC4A6868-2568-4CC9-B302-F37117B01A6E}" type="datetime1">
               <a:rPr lang="en-US" smtClean="0"/>
-              <a:t>5/2/2023</a:t>
+              <a:t>5/5/2023</a:t>
             </a:fld>
             <a:endParaRPr lang="en-US"/>
           </a:p>
@@ -826,13 +826,13 @@
           </a:xfrm>
         </p:spPr>
         <p:txBody>
-          <a:bodyPr/>
-          <a:lstStyle/>
-          <a:p>
-            <a:r>
-              <a:rPr lang="en-US"/>
-              <a:t>Click to edit Master title style</a:t>
-            </a:r>
+          <a:bodyPr anchor="b"/>
+          <a:lstStyle>
+            <a:lvl1pPr>
+              <a:defRPr/>
+            </a:lvl1pPr>
+          </a:lstStyle>
+          <a:p>
             <a:endParaRPr lang="en-US" dirty="0"/>
           </a:p>
         </p:txBody>
@@ -853,44 +853,24 @@
             <p:ph idx="1"/>
           </p:nvPr>
         </p:nvSpPr>
-        <p:spPr/>
-        <p:txBody>
-          <a:bodyPr/>
-          <a:lstStyle/>
+        <p:spPr>
+          <a:xfrm>
+            <a:off x="458694" y="1691324"/>
+            <a:ext cx="11274612" cy="4453890"/>
+          </a:xfrm>
+        </p:spPr>
+        <p:txBody>
+          <a:bodyPr>
+            <a:normAutofit/>
+          </a:bodyPr>
+          <a:lstStyle>
+            <a:lvl1pPr marL="0" indent="0">
+              <a:buNone/>
+              <a:defRPr sz="2500"/>
+            </a:lvl1pPr>
+          </a:lstStyle>
           <a:p>
             <a:pPr lvl="0"/>
-            <a:r>
-              <a:rPr lang="en-US"/>
-              <a:t>Click to edit Master text styles</a:t>
-            </a:r>
-          </a:p>
-          <a:p>
-            <a:pPr lvl="1"/>
-            <a:r>
-              <a:rPr lang="en-US"/>
-              <a:t>Second level</a:t>
-            </a:r>
-          </a:p>
-          <a:p>
-            <a:pPr lvl="2"/>
-            <a:r>
-              <a:rPr lang="en-US"/>
-              <a:t>Third level</a:t>
-            </a:r>
-          </a:p>
-          <a:p>
-            <a:pPr lvl="3"/>
-            <a:r>
-              <a:rPr lang="en-US"/>
-              <a:t>Fourth level</a:t>
-            </a:r>
-          </a:p>
-          <a:p>
-            <a:pPr lvl="4"/>
-            <a:r>
-              <a:rPr lang="en-US"/>
-              <a:t>Fifth level</a:t>
-            </a:r>
             <a:endParaRPr lang="en-US" dirty="0"/>
           </a:p>
         </p:txBody>
@@ -918,7 +898,7 @@
           <a:p>
             <a:fld id="{0055F08A-1E71-4B2B-BB49-E743F2903911}" type="datetime1">
               <a:rPr lang="en-US" smtClean="0"/>
-              <a:t>5/2/2023</a:t>
+              <a:t>5/5/2023</a:t>
             </a:fld>
             <a:endParaRPr lang="en-US" dirty="0"/>
           </a:p>
@@ -1192,7 +1172,7 @@
           <a:p>
             <a:fld id="{15417D9E-721A-44BB-8863-9873FE64DA75}" type="datetime1">
               <a:rPr lang="en-US" smtClean="0"/>
-              <a:t>5/2/2023</a:t>
+              <a:t>5/5/2023</a:t>
             </a:fld>
             <a:endParaRPr lang="en-US"/>
           </a:p>
@@ -1465,7 +1445,7 @@
           <a:p>
             <a:fld id="{5F31DA2F-80B8-49CF-99FB-5ABCA53A607A}" type="datetime1">
               <a:rPr lang="en-US" smtClean="0"/>
-              <a:t>5/2/2023</a:t>
+              <a:t>5/5/2023</a:t>
             </a:fld>
             <a:endParaRPr lang="en-US"/>
           </a:p>
@@ -1880,7 +1860,7 @@
           <a:p>
             <a:fld id="{28852172-E6C9-4B6C-929A-A9DE3837BBF1}" type="datetime1">
               <a:rPr lang="en-US" smtClean="0"/>
-              <a:t>5/2/2023</a:t>
+              <a:t>5/5/2023</a:t>
             </a:fld>
             <a:endParaRPr lang="en-US"/>
           </a:p>
@@ -2032,7 +2012,7 @@
           <a:p>
             <a:fld id="{3AB41CFF-90C9-47B3-9DA1-F2BF8D839F7E}" type="datetime1">
               <a:rPr lang="en-US" smtClean="0"/>
-              <a:t>5/2/2023</a:t>
+              <a:t>5/5/2023</a:t>
             </a:fld>
             <a:endParaRPr lang="en-US"/>
           </a:p>
@@ -2145,7 +2125,7 @@
           <a:p>
             <a:fld id="{F06048FA-06AB-4884-A69B-986B96E68A24}" type="datetime1">
               <a:rPr lang="en-US" smtClean="0"/>
-              <a:t>5/2/2023</a:t>
+              <a:t>5/5/2023</a:t>
             </a:fld>
             <a:endParaRPr lang="en-US"/>
           </a:p>
@@ -2328,35 +2308,35 @@
           <a:p>
             <a:pPr lvl="0"/>
             <a:r>
-              <a:rPr lang="en-US"/>
+              <a:rPr lang="en-US" dirty="0"/>
               <a:t>Click to edit Master text styles</a:t>
             </a:r>
           </a:p>
           <a:p>
             <a:pPr lvl="1"/>
             <a:r>
-              <a:rPr lang="en-US"/>
+              <a:rPr lang="en-US" dirty="0"/>
               <a:t>Second level</a:t>
             </a:r>
           </a:p>
           <a:p>
             <a:pPr lvl="2"/>
             <a:r>
-              <a:rPr lang="en-US"/>
+              <a:rPr lang="en-US" dirty="0"/>
               <a:t>Third level</a:t>
             </a:r>
           </a:p>
           <a:p>
             <a:pPr lvl="3"/>
             <a:r>
-              <a:rPr lang="en-US"/>
+              <a:rPr lang="en-US" dirty="0"/>
               <a:t>Fourth level</a:t>
             </a:r>
           </a:p>
           <a:p>
             <a:pPr lvl="4"/>
             <a:r>
-              <a:rPr lang="en-US"/>
+              <a:rPr lang="en-US" dirty="0"/>
               <a:t>Fifth level</a:t>
             </a:r>
           </a:p>
@@ -2456,7 +2436,7 @@
           <a:p>
             <a:fld id="{50DB7ABA-0172-4F9C-889D-567164F66BCD}" type="datetime1">
               <a:rPr lang="en-US" smtClean="0"/>
-              <a:t>5/2/2023</a:t>
+              <a:t>5/5/2023</a:t>
             </a:fld>
             <a:endParaRPr lang="en-US"/>
           </a:p>
@@ -2564,8 +2544,8 @@
         </p:nvSpPr>
         <p:spPr>
           <a:xfrm>
-            <a:off x="839788" y="457200"/>
-            <a:ext cx="3932237" cy="1600200"/>
+            <a:off x="558800" y="457200"/>
+            <a:ext cx="4213225" cy="1308100"/>
           </a:xfrm>
         </p:spPr>
         <p:txBody>
@@ -2576,10 +2556,7 @@
             </a:lvl1pPr>
           </a:lstStyle>
           <a:p>
-            <a:r>
-              <a:rPr lang="en-US"/>
-              <a:t>Click to edit Master title style</a:t>
-            </a:r>
+            <a:endParaRPr lang="en-US" dirty="0"/>
           </a:p>
         </p:txBody>
       </p:sp>
@@ -2601,12 +2578,12 @@
         </p:nvSpPr>
         <p:spPr>
           <a:xfrm>
-            <a:off x="5183188" y="987425"/>
-            <a:ext cx="6172200" cy="4873625"/>
+            <a:off x="5183188" y="1585912"/>
+            <a:ext cx="6450012" cy="3686175"/>
           </a:xfrm>
           <a:prstGeom prst="roundRect">
             <a:avLst>
-              <a:gd name="adj" fmla="val 3377"/>
+              <a:gd name="adj" fmla="val 4710"/>
             </a:avLst>
           </a:prstGeom>
         </p:spPr>
@@ -2676,16 +2653,18 @@
         </p:nvSpPr>
         <p:spPr>
           <a:xfrm>
-            <a:off x="839788" y="2057400"/>
-            <a:ext cx="3932237" cy="3811588"/>
+            <a:off x="558800" y="1765300"/>
+            <a:ext cx="4213225" cy="4103688"/>
           </a:xfrm>
         </p:spPr>
         <p:txBody>
-          <a:bodyPr/>
+          <a:bodyPr>
+            <a:normAutofit/>
+          </a:bodyPr>
           <a:lstStyle>
             <a:lvl1pPr marL="0" indent="0">
               <a:buNone/>
-              <a:defRPr sz="1600"/>
+              <a:defRPr sz="1800"/>
             </a:lvl1pPr>
             <a:lvl2pPr marL="457200" indent="0">
               <a:buNone/>
@@ -2722,10 +2701,7 @@
           </a:lstStyle>
           <a:p>
             <a:pPr lvl="0"/>
-            <a:r>
-              <a:rPr lang="en-US" dirty="0"/>
-              <a:t>Click to edit Master text styles</a:t>
-            </a:r>
+            <a:endParaRPr lang="en-US" dirty="0"/>
           </a:p>
         </p:txBody>
       </p:sp>
@@ -2752,7 +2728,7 @@
           <a:p>
             <a:fld id="{78AC6A5B-8AE7-4A41-B5A7-9ADC6686DC18}" type="datetime1">
               <a:rPr lang="en-US" smtClean="0"/>
-              <a:t>5/2/2023</a:t>
+              <a:t>5/5/2023</a:t>
             </a:fld>
             <a:endParaRPr lang="en-US"/>
           </a:p>
@@ -3063,7 +3039,7 @@
             <a:fld id="{57E0CF6C-748E-4B7A-BC8B-3011EF78ED13}" type="datetime1">
               <a:rPr lang="en-US" smtClean="0"/>
               <a:pPr/>
-              <a:t>5/2/2023</a:t>
+              <a:t>5/5/2023</a:t>
             </a:fld>
             <a:endParaRPr lang="en-US" dirty="0"/>
           </a:p>
